--- a/NetAgent/src/main/resources/TransactionReportbyDateRange_NA.pptx
+++ b/NetAgent/src/main/resources/TransactionReportbyDateRange_NA.pptx
@@ -465,7 +465,7 @@
                 </a:solidFill>
                 <a:latin typeface="Arial"/>
               </a:rPr>
-              <a:t>6/17/2022 1:47 AM</a:t>
+              <a:t>6/19/2022 9:49 PM</a:t>
             </a:r>
           </a:p>
         </p:txBody>

--- a/NetAgent/src/main/resources/TransactionReportbyDateRange_NA.pptx
+++ b/NetAgent/src/main/resources/TransactionReportbyDateRange_NA.pptx
@@ -465,7 +465,7 @@
                 </a:solidFill>
                 <a:latin typeface="Arial"/>
               </a:rPr>
-              <a:t>6/19/2022 9:49 PM</a:t>
+              <a:t>6/21/2022 12:46 AM</a:t>
             </a:r>
           </a:p>
         </p:txBody>
